--- a/documents/Projekt_Bemutato-1-4.pptx
+++ b/documents/Projekt_Bemutato-1-4.pptx
@@ -26,8 +26,8 @@
     <p:sldId id="286" r:id="rId17"/>
     <p:sldId id="281" r:id="rId18"/>
     <p:sldId id="316" r:id="rId19"/>
-    <p:sldId id="272" r:id="rId20"/>
-    <p:sldId id="273" r:id="rId21"/>
+    <p:sldId id="329" r:id="rId20"/>
+    <p:sldId id="330" r:id="rId21"/>
     <p:sldId id="314" r:id="rId22"/>
     <p:sldId id="306" r:id="rId23"/>
     <p:sldId id="307" r:id="rId24"/>
@@ -10593,7 +10593,7 @@
           <a:p>
             <a:fld id="{FC04DC68-674E-4B2A-82AC-A86099687ED6}" type="datetimeFigureOut">
               <a:rPr lang="hu-HU" smtClean="0"/>
-              <a:t>2025. 03. 19.</a:t>
+              <a:t>2025. 03. 20.</a:t>
             </a:fld>
             <a:endParaRPr lang="hu-HU"/>
           </a:p>
@@ -14993,7 +14993,7 @@
           <a:p>
             <a:fld id="{5BCAD085-E8A6-8845-BD4E-CB4CCA059FC4}" type="datetimeFigureOut">
               <a:rPr lang="en-US" smtClean="0"/>
-              <a:t>3/19/2025</a:t>
+              <a:t>3/20/2025</a:t>
             </a:fld>
             <a:endParaRPr lang="en-US"/>
           </a:p>
@@ -15161,7 +15161,7 @@
           <a:p>
             <a:fld id="{5BCAD085-E8A6-8845-BD4E-CB4CCA059FC4}" type="datetimeFigureOut">
               <a:rPr lang="en-US" smtClean="0"/>
-              <a:t>3/19/2025</a:t>
+              <a:t>3/20/2025</a:t>
             </a:fld>
             <a:endParaRPr lang="en-US"/>
           </a:p>
@@ -15339,7 +15339,7 @@
           <a:p>
             <a:fld id="{5BCAD085-E8A6-8845-BD4E-CB4CCA059FC4}" type="datetimeFigureOut">
               <a:rPr lang="en-US" smtClean="0"/>
-              <a:t>3/19/2025</a:t>
+              <a:t>3/20/2025</a:t>
             </a:fld>
             <a:endParaRPr lang="en-US"/>
           </a:p>
@@ -15507,7 +15507,7 @@
           <a:p>
             <a:fld id="{5BCAD085-E8A6-8845-BD4E-CB4CCA059FC4}" type="datetimeFigureOut">
               <a:rPr lang="en-US" smtClean="0"/>
-              <a:t>3/19/2025</a:t>
+              <a:t>3/20/2025</a:t>
             </a:fld>
             <a:endParaRPr lang="en-US"/>
           </a:p>
@@ -15752,7 +15752,7 @@
           <a:p>
             <a:fld id="{5BCAD085-E8A6-8845-BD4E-CB4CCA059FC4}" type="datetimeFigureOut">
               <a:rPr lang="en-US" smtClean="0"/>
-              <a:t>3/19/2025</a:t>
+              <a:t>3/20/2025</a:t>
             </a:fld>
             <a:endParaRPr lang="en-US"/>
           </a:p>
@@ -16037,7 +16037,7 @@
           <a:p>
             <a:fld id="{5BCAD085-E8A6-8845-BD4E-CB4CCA059FC4}" type="datetimeFigureOut">
               <a:rPr lang="en-US" smtClean="0"/>
-              <a:t>3/19/2025</a:t>
+              <a:t>3/20/2025</a:t>
             </a:fld>
             <a:endParaRPr lang="en-US"/>
           </a:p>
@@ -16456,7 +16456,7 @@
           <a:p>
             <a:fld id="{5BCAD085-E8A6-8845-BD4E-CB4CCA059FC4}" type="datetimeFigureOut">
               <a:rPr lang="en-US" smtClean="0"/>
-              <a:t>3/19/2025</a:t>
+              <a:t>3/20/2025</a:t>
             </a:fld>
             <a:endParaRPr lang="en-US"/>
           </a:p>
@@ -16573,7 +16573,7 @@
           <a:p>
             <a:fld id="{5BCAD085-E8A6-8845-BD4E-CB4CCA059FC4}" type="datetimeFigureOut">
               <a:rPr lang="en-US" smtClean="0"/>
-              <a:t>3/19/2025</a:t>
+              <a:t>3/20/2025</a:t>
             </a:fld>
             <a:endParaRPr lang="en-US"/>
           </a:p>
@@ -16668,7 +16668,7 @@
           <a:p>
             <a:fld id="{5BCAD085-E8A6-8845-BD4E-CB4CCA059FC4}" type="datetimeFigureOut">
               <a:rPr lang="en-US" smtClean="0"/>
-              <a:t>3/19/2025</a:t>
+              <a:t>3/20/2025</a:t>
             </a:fld>
             <a:endParaRPr lang="en-US"/>
           </a:p>
@@ -16943,7 +16943,7 @@
           <a:p>
             <a:fld id="{5BCAD085-E8A6-8845-BD4E-CB4CCA059FC4}" type="datetimeFigureOut">
               <a:rPr lang="en-US" smtClean="0"/>
-              <a:t>3/19/2025</a:t>
+              <a:t>3/20/2025</a:t>
             </a:fld>
             <a:endParaRPr lang="en-US"/>
           </a:p>
@@ -17195,7 +17195,7 @@
           <a:p>
             <a:fld id="{5BCAD085-E8A6-8845-BD4E-CB4CCA059FC4}" type="datetimeFigureOut">
               <a:rPr lang="en-US" smtClean="0"/>
-              <a:t>3/19/2025</a:t>
+              <a:t>3/20/2025</a:t>
             </a:fld>
             <a:endParaRPr lang="en-US"/>
           </a:p>
@@ -17406,7 +17406,7 @@
           <a:p>
             <a:fld id="{5BCAD085-E8A6-8845-BD4E-CB4CCA059FC4}" type="datetimeFigureOut">
               <a:rPr lang="en-US" smtClean="0"/>
-              <a:t>3/19/2025</a:t>
+              <a:t>3/20/2025</a:t>
             </a:fld>
             <a:endParaRPr lang="en-US"/>
           </a:p>
@@ -25281,7 +25281,7 @@
       </p:grpSpPr>
       <p:sp useBgFill="1">
         <p:nvSpPr>
-          <p:cNvPr id="11" name="Rectangle 10">
+          <p:cNvPr id="8" name="Rectangle 7">
             <a:extLst>
               <a:ext uri="{FF2B5EF4-FFF2-40B4-BE49-F238E27FC236}">
                 <a16:creationId xmlns:a16="http://schemas.microsoft.com/office/drawing/2014/main" id="{1B15ED52-F352-441B-82BF-E0EA34836D08}"/>
@@ -25357,7 +25357,7 @@
       </p:sp>
       <p:sp>
         <p:nvSpPr>
-          <p:cNvPr id="13" name="Rectangle 12">
+          <p:cNvPr id="10" name="Rectangle 9">
             <a:extLst>
               <a:ext uri="{FF2B5EF4-FFF2-40B4-BE49-F238E27FC236}">
                 <a16:creationId xmlns:a16="http://schemas.microsoft.com/office/drawing/2014/main" id="{3B2E3793-BFE6-45A2-9B7B-E18844431C99}"/>
@@ -25380,7 +25380,7 @@
         </p:nvSpPr>
         <p:spPr>
           <a:xfrm flipH="1">
-            <a:off x="0" y="5266402"/>
+            <a:off x="0" y="-1"/>
             <a:ext cx="9143997" cy="1590742"/>
           </a:xfrm>
           <a:prstGeom prst="rect">
@@ -25392,7 +25392,9 @@
                 <a:srgbClr val="000000"/>
               </a:gs>
               <a:gs pos="100000">
-                <a:schemeClr val="accent1"/>
+                <a:schemeClr val="accent1">
+                  <a:lumMod val="75000"/>
+                </a:schemeClr>
               </a:gs>
             </a:gsLst>
             <a:lin ang="8400000" scaled="0"/>
@@ -25428,7 +25430,7 @@
       </p:sp>
       <p:sp>
         <p:nvSpPr>
-          <p:cNvPr id="15" name="Rectangle 14">
+          <p:cNvPr id="12" name="Rectangle 11">
             <a:extLst>
               <a:ext uri="{FF2B5EF4-FFF2-40B4-BE49-F238E27FC236}">
                 <a16:creationId xmlns:a16="http://schemas.microsoft.com/office/drawing/2014/main" id="{BC4C4868-CB8F-4AF9-9CDB-8108F2C19B67}"/>
@@ -25450,16 +25452,16 @@
           </p:nvPr>
         </p:nvSpPr>
         <p:spPr>
-          <a:xfrm flipH="1">
-            <a:off x="0" y="5270175"/>
-            <a:ext cx="9138997" cy="1590742"/>
+          <a:xfrm rot="10800000" flipH="1">
+            <a:off x="-2" y="0"/>
+            <a:ext cx="6086479" cy="1590742"/>
           </a:xfrm>
           <a:prstGeom prst="rect">
             <a:avLst/>
           </a:prstGeom>
           <a:gradFill>
             <a:gsLst>
-              <a:gs pos="0">
+              <a:gs pos="20000">
                 <a:schemeClr val="accent1">
                   <a:alpha val="0"/>
                 </a:schemeClr>
@@ -25467,10 +25469,11 @@
               <a:gs pos="100000">
                 <a:schemeClr val="accent1">
                   <a:lumMod val="50000"/>
+                  <a:alpha val="55000"/>
                 </a:schemeClr>
               </a:gs>
             </a:gsLst>
-            <a:lin ang="10200000" scaled="0"/>
+            <a:lin ang="13800000" scaled="0"/>
           </a:gradFill>
           <a:ln>
             <a:noFill/>
@@ -25503,7 +25506,7 @@
       </p:sp>
       <p:sp>
         <p:nvSpPr>
-          <p:cNvPr id="17" name="Rectangle 16">
+          <p:cNvPr id="14" name="Rectangle 13">
             <a:extLst>
               <a:ext uri="{FF2B5EF4-FFF2-40B4-BE49-F238E27FC236}">
                 <a16:creationId xmlns:a16="http://schemas.microsoft.com/office/drawing/2014/main" id="{375E0459-6403-40CD-989D-56A4407CA12E}"/>
@@ -25526,7 +25529,7 @@
         </p:nvSpPr>
         <p:spPr>
           <a:xfrm flipH="1">
-            <a:off x="6086474" y="5265546"/>
+            <a:off x="6086474" y="-1"/>
             <a:ext cx="3057523" cy="1590742"/>
           </a:xfrm>
           <a:prstGeom prst="rect">
@@ -25536,13 +25539,13 @@
             <a:gsLst>
               <a:gs pos="0">
                 <a:schemeClr val="accent1">
-                  <a:lumMod val="50000"/>
+                  <a:alpha val="66000"/>
                 </a:schemeClr>
               </a:gs>
               <a:gs pos="100000">
-                <a:schemeClr val="accent1">
-                  <a:alpha val="0"/>
-                </a:schemeClr>
+                <a:srgbClr val="000000">
+                  <a:alpha val="30000"/>
+                </a:srgbClr>
               </a:gs>
             </a:gsLst>
             <a:lin ang="13200000" scaled="0"/>
@@ -25578,7 +25581,7 @@
       </p:sp>
       <p:sp>
         <p:nvSpPr>
-          <p:cNvPr id="19" name="Rectangle 18">
+          <p:cNvPr id="16" name="Rectangle 15">
             <a:extLst>
               <a:ext uri="{FF2B5EF4-FFF2-40B4-BE49-F238E27FC236}">
                 <a16:creationId xmlns:a16="http://schemas.microsoft.com/office/drawing/2014/main" id="{53E5B1A8-3AC9-4BD1-9BBC-78CA94F2D1BA}"/>
@@ -25600,16 +25603,16 @@
           </p:nvPr>
         </p:nvSpPr>
         <p:spPr>
-          <a:xfrm rot="10800000">
-            <a:off x="-10001" y="5263483"/>
-            <a:ext cx="9143999" cy="1597433"/>
+          <a:xfrm>
+            <a:off x="344512" y="-1"/>
+            <a:ext cx="8799485" cy="1597433"/>
           </a:xfrm>
           <a:prstGeom prst="rect">
             <a:avLst/>
           </a:prstGeom>
           <a:gradFill>
             <a:gsLst>
-              <a:gs pos="0">
+              <a:gs pos="50000">
                 <a:srgbClr val="000000">
                   <a:alpha val="0"/>
                 </a:srgbClr>
@@ -25617,7 +25620,7 @@
               <a:gs pos="99000">
                 <a:schemeClr val="accent1">
                   <a:lumMod val="50000"/>
-                  <a:alpha val="55000"/>
+                  <a:alpha val="52000"/>
                 </a:schemeClr>
               </a:gs>
             </a:gsLst>
@@ -25657,7 +25660,7 @@
           <p:cNvPr id="2" name="Cím 1">
             <a:extLst>
               <a:ext uri="{FF2B5EF4-FFF2-40B4-BE49-F238E27FC236}">
-                <a16:creationId xmlns:a16="http://schemas.microsoft.com/office/drawing/2014/main" id="{0328F0C9-CFC4-4ED1-96B1-FB8F9C3CA94A}"/>
+                <a16:creationId xmlns:a16="http://schemas.microsoft.com/office/drawing/2014/main" id="{9BC0E818-AAA2-4108-8003-3849C922E6F0}"/>
               </a:ext>
             </a:extLst>
           </p:cNvPr>
@@ -25670,7 +25673,7 @@
         </p:nvSpPr>
         <p:spPr>
           <a:xfrm>
-            <a:off x="1028699" y="5510253"/>
+            <a:off x="1028699" y="294538"/>
             <a:ext cx="7421963" cy="1033669"/>
           </a:xfrm>
         </p:spPr>
@@ -25681,27 +25684,22 @@
           <a:lstStyle/>
           <a:p>
             <a:r>
-              <a:rPr lang="hu-HU" sz="3600" dirty="0">
+              <a:rPr lang="hu-HU" sz="3500" dirty="0">
                 <a:solidFill>
-                  <a:schemeClr val="bg1"/>
+                  <a:srgbClr val="FFFFFF"/>
                 </a:solidFill>
               </a:rPr>
               <a:t>Program képek</a:t>
             </a:r>
-            <a:endParaRPr lang="hu-HU" sz="3500" dirty="0">
-              <a:solidFill>
-                <a:srgbClr val="FFFFFF"/>
-              </a:solidFill>
-            </a:endParaRPr>
           </a:p>
         </p:txBody>
       </p:sp>
       <p:pic>
         <p:nvPicPr>
-          <p:cNvPr id="6" name="Kép 5">
+          <p:cNvPr id="11" name="Kép 10">
             <a:extLst>
               <a:ext uri="{FF2B5EF4-FFF2-40B4-BE49-F238E27FC236}">
-                <a16:creationId xmlns:a16="http://schemas.microsoft.com/office/drawing/2014/main" id="{1DE79640-B67D-442E-ACC0-0EE4C33A101B}"/>
+                <a16:creationId xmlns:a16="http://schemas.microsoft.com/office/drawing/2014/main" id="{7C65AA5D-A289-4ED8-9115-54897A3D81EC}"/>
               </a:ext>
             </a:extLst>
           </p:cNvPr>
@@ -25718,78 +25716,7 @@
         </p:blipFill>
         <p:spPr>
           <a:xfrm>
-            <a:off x="532773" y="540086"/>
-            <a:ext cx="8078453" cy="4039226"/>
-          </a:xfrm>
-          <a:prstGeom prst="rect">
-            <a:avLst/>
-          </a:prstGeom>
-        </p:spPr>
-      </p:pic>
-      <p:sp>
-        <p:nvSpPr>
-          <p:cNvPr id="3" name="Tartalom helye 2">
-            <a:extLst>
-              <a:ext uri="{FF2B5EF4-FFF2-40B4-BE49-F238E27FC236}">
-                <a16:creationId xmlns:a16="http://schemas.microsoft.com/office/drawing/2014/main" id="{64D59D51-26E5-4A5C-A8FF-B3504E518A90}"/>
-              </a:ext>
-            </a:extLst>
-          </p:cNvPr>
-          <p:cNvSpPr>
-            <a:spLocks noGrp="1"/>
-          </p:cNvSpPr>
-          <p:nvPr>
-            <p:ph idx="1"/>
-          </p:nvPr>
-        </p:nvSpPr>
-        <p:spPr>
-          <a:xfrm>
-            <a:off x="1455192" y="3833199"/>
-            <a:ext cx="6249619" cy="1119982"/>
-          </a:xfrm>
-        </p:spPr>
-        <p:txBody>
-          <a:bodyPr anchor="ctr">
-            <a:normAutofit/>
-          </a:bodyPr>
-          <a:lstStyle/>
-          <a:p>
-            <a:pPr marL="0" indent="0">
-              <a:buNone/>
-            </a:pPr>
-            <a:r>
-              <a:rPr lang="hu-HU" sz="1700" dirty="0"/>
-              <a:t>Indulási folyamat képernyője. Mutatja, hogy az elemzések eredményei fájlba mentődnek, és a vizualizációk elkészülnek.</a:t>
-            </a:r>
-          </a:p>
-          <a:p>
-            <a:endParaRPr lang="hu-HU" sz="1700" dirty="0"/>
-          </a:p>
-        </p:txBody>
-      </p:sp>
-      <p:pic>
-        <p:nvPicPr>
-          <p:cNvPr id="5" name="Kép 4">
-            <a:extLst>
-              <a:ext uri="{FF2B5EF4-FFF2-40B4-BE49-F238E27FC236}">
-                <a16:creationId xmlns:a16="http://schemas.microsoft.com/office/drawing/2014/main" id="{84B5FA3D-CB4B-4BA6-B9A7-6D9BFC4257DD}"/>
-              </a:ext>
-            </a:extLst>
-          </p:cNvPr>
-          <p:cNvPicPr>
-            <a:picLocks noChangeAspect="1"/>
-          </p:cNvPicPr>
-          <p:nvPr/>
-        </p:nvPicPr>
-        <p:blipFill>
-          <a:blip r:embed="rId3"/>
-          <a:stretch>
-            <a:fillRect/>
-          </a:stretch>
-        </p:blipFill>
-        <p:spPr>
-          <a:xfrm>
-            <a:off x="1542151" y="397222"/>
+            <a:off x="1552151" y="1885279"/>
             <a:ext cx="6039693" cy="4324954"/>
           </a:xfrm>
           <a:prstGeom prst="rect">
@@ -25800,7 +25727,7 @@
     </p:spTree>
     <p:extLst>
       <p:ext uri="{BB962C8B-B14F-4D97-AF65-F5344CB8AC3E}">
-        <p14:creationId xmlns:p14="http://schemas.microsoft.com/office/powerpoint/2010/main" val="3024189649"/>
+        <p14:creationId xmlns:p14="http://schemas.microsoft.com/office/powerpoint/2010/main" val="1157185084"/>
       </p:ext>
     </p:extLst>
   </p:cSld>
@@ -26492,7 +26419,7 @@
       </p:grpSpPr>
       <p:sp useBgFill="1">
         <p:nvSpPr>
-          <p:cNvPr id="10" name="Rectangle 9">
+          <p:cNvPr id="8" name="Rectangle 7">
             <a:extLst>
               <a:ext uri="{FF2B5EF4-FFF2-40B4-BE49-F238E27FC236}">
                 <a16:creationId xmlns:a16="http://schemas.microsoft.com/office/drawing/2014/main" id="{1B15ED52-F352-441B-82BF-E0EA34836D08}"/>
@@ -26568,7 +26495,7 @@
       </p:sp>
       <p:sp>
         <p:nvSpPr>
-          <p:cNvPr id="12" name="Rectangle 11">
+          <p:cNvPr id="10" name="Rectangle 9">
             <a:extLst>
               <a:ext uri="{FF2B5EF4-FFF2-40B4-BE49-F238E27FC236}">
                 <a16:creationId xmlns:a16="http://schemas.microsoft.com/office/drawing/2014/main" id="{3B2E3793-BFE6-45A2-9B7B-E18844431C99}"/>
@@ -26591,7 +26518,7 @@
         </p:nvSpPr>
         <p:spPr>
           <a:xfrm flipH="1">
-            <a:off x="0" y="5266402"/>
+            <a:off x="0" y="-1"/>
             <a:ext cx="9143997" cy="1590742"/>
           </a:xfrm>
           <a:prstGeom prst="rect">
@@ -26603,7 +26530,9 @@
                 <a:srgbClr val="000000"/>
               </a:gs>
               <a:gs pos="100000">
-                <a:schemeClr val="accent1"/>
+                <a:schemeClr val="accent1">
+                  <a:lumMod val="75000"/>
+                </a:schemeClr>
               </a:gs>
             </a:gsLst>
             <a:lin ang="8400000" scaled="0"/>
@@ -26639,7 +26568,7 @@
       </p:sp>
       <p:sp>
         <p:nvSpPr>
-          <p:cNvPr id="14" name="Rectangle 13">
+          <p:cNvPr id="12" name="Rectangle 11">
             <a:extLst>
               <a:ext uri="{FF2B5EF4-FFF2-40B4-BE49-F238E27FC236}">
                 <a16:creationId xmlns:a16="http://schemas.microsoft.com/office/drawing/2014/main" id="{BC4C4868-CB8F-4AF9-9CDB-8108F2C19B67}"/>
@@ -26661,16 +26590,16 @@
           </p:nvPr>
         </p:nvSpPr>
         <p:spPr>
-          <a:xfrm flipH="1">
-            <a:off x="0" y="5270175"/>
-            <a:ext cx="9138997" cy="1590742"/>
+          <a:xfrm rot="10800000" flipH="1">
+            <a:off x="-2" y="0"/>
+            <a:ext cx="6086479" cy="1590742"/>
           </a:xfrm>
           <a:prstGeom prst="rect">
             <a:avLst/>
           </a:prstGeom>
           <a:gradFill>
             <a:gsLst>
-              <a:gs pos="0">
+              <a:gs pos="20000">
                 <a:schemeClr val="accent1">
                   <a:alpha val="0"/>
                 </a:schemeClr>
@@ -26678,10 +26607,11 @@
               <a:gs pos="100000">
                 <a:schemeClr val="accent1">
                   <a:lumMod val="50000"/>
+                  <a:alpha val="55000"/>
                 </a:schemeClr>
               </a:gs>
             </a:gsLst>
-            <a:lin ang="10200000" scaled="0"/>
+            <a:lin ang="13800000" scaled="0"/>
           </a:gradFill>
           <a:ln>
             <a:noFill/>
@@ -26714,7 +26644,7 @@
       </p:sp>
       <p:sp>
         <p:nvSpPr>
-          <p:cNvPr id="16" name="Rectangle 15">
+          <p:cNvPr id="14" name="Rectangle 13">
             <a:extLst>
               <a:ext uri="{FF2B5EF4-FFF2-40B4-BE49-F238E27FC236}">
                 <a16:creationId xmlns:a16="http://schemas.microsoft.com/office/drawing/2014/main" id="{375E0459-6403-40CD-989D-56A4407CA12E}"/>
@@ -26737,7 +26667,7 @@
         </p:nvSpPr>
         <p:spPr>
           <a:xfrm flipH="1">
-            <a:off x="6086474" y="5265546"/>
+            <a:off x="6086474" y="-1"/>
             <a:ext cx="3057523" cy="1590742"/>
           </a:xfrm>
           <a:prstGeom prst="rect">
@@ -26747,13 +26677,13 @@
             <a:gsLst>
               <a:gs pos="0">
                 <a:schemeClr val="accent1">
-                  <a:lumMod val="50000"/>
+                  <a:alpha val="66000"/>
                 </a:schemeClr>
               </a:gs>
               <a:gs pos="100000">
-                <a:schemeClr val="accent1">
-                  <a:alpha val="0"/>
-                </a:schemeClr>
+                <a:srgbClr val="000000">
+                  <a:alpha val="30000"/>
+                </a:srgbClr>
               </a:gs>
             </a:gsLst>
             <a:lin ang="13200000" scaled="0"/>
@@ -26789,7 +26719,7 @@
       </p:sp>
       <p:sp>
         <p:nvSpPr>
-          <p:cNvPr id="18" name="Rectangle 17">
+          <p:cNvPr id="16" name="Rectangle 15">
             <a:extLst>
               <a:ext uri="{FF2B5EF4-FFF2-40B4-BE49-F238E27FC236}">
                 <a16:creationId xmlns:a16="http://schemas.microsoft.com/office/drawing/2014/main" id="{53E5B1A8-3AC9-4BD1-9BBC-78CA94F2D1BA}"/>
@@ -26811,16 +26741,16 @@
           </p:nvPr>
         </p:nvSpPr>
         <p:spPr>
-          <a:xfrm rot="10800000">
-            <a:off x="-10001" y="5263483"/>
-            <a:ext cx="9143999" cy="1597433"/>
+          <a:xfrm>
+            <a:off x="344512" y="-1"/>
+            <a:ext cx="8799485" cy="1597433"/>
           </a:xfrm>
           <a:prstGeom prst="rect">
             <a:avLst/>
           </a:prstGeom>
           <a:gradFill>
             <a:gsLst>
-              <a:gs pos="0">
+              <a:gs pos="50000">
                 <a:srgbClr val="000000">
                   <a:alpha val="0"/>
                 </a:srgbClr>
@@ -26828,7 +26758,7 @@
               <a:gs pos="99000">
                 <a:schemeClr val="accent1">
                   <a:lumMod val="50000"/>
-                  <a:alpha val="55000"/>
+                  <a:alpha val="52000"/>
                 </a:schemeClr>
               </a:gs>
             </a:gsLst>
@@ -26868,7 +26798,7 @@
           <p:cNvPr id="2" name="Cím 1">
             <a:extLst>
               <a:ext uri="{FF2B5EF4-FFF2-40B4-BE49-F238E27FC236}">
-                <a16:creationId xmlns:a16="http://schemas.microsoft.com/office/drawing/2014/main" id="{2C3E0B7D-8310-4BF7-AFDC-D8BB2D4F6593}"/>
+                <a16:creationId xmlns:a16="http://schemas.microsoft.com/office/drawing/2014/main" id="{9BC0E818-AAA2-4108-8003-3849C922E6F0}"/>
               </a:ext>
             </a:extLst>
           </p:cNvPr>
@@ -26881,7 +26811,7 @@
         </p:nvSpPr>
         <p:spPr>
           <a:xfrm>
-            <a:off x="1028699" y="5510253"/>
+            <a:off x="1028699" y="294538"/>
             <a:ext cx="7421963" cy="1033669"/>
           </a:xfrm>
         </p:spPr>
@@ -26892,27 +26822,22 @@
           <a:lstStyle/>
           <a:p>
             <a:r>
-              <a:rPr lang="hu-HU" sz="3600" dirty="0">
+              <a:rPr lang="hu-HU" sz="3500" dirty="0">
                 <a:solidFill>
-                  <a:schemeClr val="bg1"/>
+                  <a:srgbClr val="FFFFFF"/>
                 </a:solidFill>
               </a:rPr>
               <a:t>Program képek</a:t>
             </a:r>
-            <a:endParaRPr lang="hu-HU" sz="3500" dirty="0">
-              <a:solidFill>
-                <a:srgbClr val="FFFFFF"/>
-              </a:solidFill>
-            </a:endParaRPr>
           </a:p>
         </p:txBody>
       </p:sp>
       <p:pic>
         <p:nvPicPr>
-          <p:cNvPr id="6" name="Kép 5">
+          <p:cNvPr id="9" name="Kép 8">
             <a:extLst>
               <a:ext uri="{FF2B5EF4-FFF2-40B4-BE49-F238E27FC236}">
-                <a16:creationId xmlns:a16="http://schemas.microsoft.com/office/drawing/2014/main" id="{84EB0DAC-24EF-448C-BE46-94BD84F9B017}"/>
+                <a16:creationId xmlns:a16="http://schemas.microsoft.com/office/drawing/2014/main" id="{C4401476-CD63-4953-BA16-DDD0268EF5D2}"/>
               </a:ext>
             </a:extLst>
           </p:cNvPr>
@@ -26929,7 +26854,7 @@
         </p:blipFill>
         <p:spPr>
           <a:xfrm>
-            <a:off x="1542151" y="482523"/>
+            <a:off x="1542151" y="1897050"/>
             <a:ext cx="6039693" cy="4296375"/>
           </a:xfrm>
           <a:prstGeom prst="rect">
@@ -26940,7 +26865,7 @@
     </p:spTree>
     <p:extLst>
       <p:ext uri="{BB962C8B-B14F-4D97-AF65-F5344CB8AC3E}">
-        <p14:creationId xmlns:p14="http://schemas.microsoft.com/office/powerpoint/2010/main" val="2788795302"/>
+        <p14:creationId xmlns:p14="http://schemas.microsoft.com/office/powerpoint/2010/main" val="1086967106"/>
       </p:ext>
     </p:extLst>
   </p:cSld>
@@ -40500,24 +40425,19 @@
           <a:p>
             <a:r>
               <a:rPr lang="hu-HU" sz="2000" dirty="0"/>
-              <a:t>[UI fejlesztő neve] felelős a grafikus felhasználói felület (UI) megtervezéséért és megvalósításáért -ui.py- Segédfunkciók kiíratása, üzenetablakok megjelenítése -utils.py-</a:t>
+              <a:t>[neve] felelős a grafikus felhasználói felület (UI) megtervezéséért és megvalósításáért -ui.py- Segédfunkciók kiíratása, üzenetablakok megjelenítése -utils.py-</a:t>
             </a:r>
           </a:p>
           <a:p>
             <a:r>
               <a:rPr lang="hu-HU" sz="2000" dirty="0"/>
-              <a:t>[Játéklogika fejlesztő neve] a játéklogika implementálásáért, validációkért felelős -game.py-. A játék adatainak tárolása kezdő mátrix, megoldás mátrix, színek, </a:t>
-            </a:r>
-            <a:r>
-              <a:rPr lang="hu-HU" sz="2000"/>
-              <a:t>szabályok -data.py-</a:t>
-            </a:r>
-            <a:endParaRPr lang="hu-HU" sz="2000" dirty="0"/>
+              <a:t>[neve] a játéklogika implementálásáért, validációkért felelős -game.py-. A játék adatainak tárolása kezdő mátrix, mintázat mátrix, színek, szabályok -data.py-</a:t>
+            </a:r>
           </a:p>
           <a:p>
             <a:r>
               <a:rPr lang="hu-HU" sz="2000" dirty="0"/>
-              <a:t>[Tesztelő neve] a játék teszteléséért, hibakeresésért és a visszajelzésekért.</a:t>
+              <a:t>[neve] a megoldó algoritmus fejlesztése -solver.py- a játék teszteléséért, hibakeresésért és a visszajelzésekért.</a:t>
             </a:r>
           </a:p>
           <a:p>
